--- a/Presentation-Slides-CSharp-EN/Chapter-3-Simple-Conditions/07.Bonus-Points-Problem.pptx
+++ b/Presentation-Slides-CSharp-EN/Chapter-3-Simple-Conditions/07.Bonus-Points-Problem.pptx
@@ -229,7 +229,7 @@
             <a:fld id="{FE5B4EDC-59C0-49C7-8ADA-5A781B329E02}" type="datetimeFigureOut">
               <a:rPr lang="en-US"/>
               <a:pPr/>
-              <a:t>02-Oct-18</a:t>
+              <a:t>16-Feb-19</a:t>
             </a:fld>
             <a:endParaRPr dirty="0"/>
           </a:p>
@@ -428,7 +428,7 @@
             <a:fld id="{F2D8D46A-B586-417D-BFBD-8C8FE0AAF762}" type="datetimeFigureOut">
               <a:rPr lang="en-US" smtClean="0"/>
               <a:pPr/>
-              <a:t>02-Oct-18</a:t>
+              <a:t>16-Feb-19</a:t>
             </a:fld>
             <a:endParaRPr lang="en-US"/>
           </a:p>
@@ -1441,7 +1441,7 @@
             <a:fld id="{055373AC-9AA7-423B-BA00-BA1C74164DBD}" type="datetime1">
               <a:rPr lang="en-US" smtClean="0"/>
               <a:pPr/>
-              <a:t>02-Oct-18</a:t>
+              <a:t>16-Feb-19</a:t>
             </a:fld>
             <a:endParaRPr lang="en-US" dirty="0"/>
           </a:p>
@@ -1972,7 +1972,7 @@
             <a:fld id="{055373AC-9AA7-423B-BA00-BA1C74164DBD}" type="datetime1">
               <a:rPr lang="en-US" smtClean="0"/>
               <a:pPr/>
-              <a:t>02-Oct-18</a:t>
+              <a:t>16-Feb-19</a:t>
             </a:fld>
             <a:endParaRPr lang="en-US" dirty="0"/>
           </a:p>
@@ -2886,8 +2886,25 @@
                   </a:schemeClr>
                 </a:solidFill>
               </a:rPr>
-              <a:t>1 т.</a:t>
-            </a:r>
+              <a:t>1 </a:t>
+            </a:r>
+            <a:r>
+              <a:rPr lang="en-US" dirty="0">
+                <a:solidFill>
+                  <a:schemeClr val="tx2">
+                    <a:lumMod val="75000"/>
+                  </a:schemeClr>
+                </a:solidFill>
+              </a:rPr>
+              <a:t>point</a:t>
+            </a:r>
+            <a:endParaRPr lang="bg-BG" dirty="0">
+              <a:solidFill>
+                <a:schemeClr val="tx2">
+                  <a:lumMod val="75000"/>
+                </a:schemeClr>
+              </a:solidFill>
+            </a:endParaRPr>
           </a:p>
           <a:p>
             <a:pPr lvl="2"/>
@@ -2933,8 +2950,25 @@
                   </a:schemeClr>
                 </a:solidFill>
               </a:rPr>
-              <a:t>2 т.</a:t>
-            </a:r>
+              <a:t>2 </a:t>
+            </a:r>
+            <a:r>
+              <a:rPr lang="en-US" dirty="0">
+                <a:solidFill>
+                  <a:schemeClr val="tx2">
+                    <a:lumMod val="75000"/>
+                  </a:schemeClr>
+                </a:solidFill>
+              </a:rPr>
+              <a:t>points</a:t>
+            </a:r>
+            <a:endParaRPr lang="bg-BG" dirty="0">
+              <a:solidFill>
+                <a:schemeClr val="tx2">
+                  <a:lumMod val="75000"/>
+                </a:schemeClr>
+              </a:solidFill>
+            </a:endParaRPr>
           </a:p>
           <a:p>
             <a:r>
